--- a/소셜 로그인 발표.pptx
+++ b/소셜 로그인 발표.pptx
@@ -5,7 +5,7 @@
     <p:sldMasterId id="2147483648" r:id="rId1"/>
   </p:sldMasterIdLst>
   <p:notesMasterIdLst>
-    <p:notesMasterId r:id="rId13"/>
+    <p:notesMasterId r:id="rId14"/>
   </p:notesMasterIdLst>
   <p:sldIdLst>
     <p:sldId id="256" r:id="rId2"/>
@@ -18,7 +18,8 @@
     <p:sldId id="263" r:id="rId9"/>
     <p:sldId id="264" r:id="rId10"/>
     <p:sldId id="265" r:id="rId11"/>
-    <p:sldId id="266" r:id="rId12"/>
+    <p:sldId id="267" r:id="rId12"/>
+    <p:sldId id="266" r:id="rId13"/>
   </p:sldIdLst>
   <p:sldSz cx="12192000" cy="6858000"/>
   <p:notesSz cx="6858000" cy="9144000"/>
@@ -207,7 +208,7 @@
           <a:p>
             <a:fld id="{8A118C8B-A477-48FE-84D9-CD6F511B9ECA}" type="datetimeFigureOut">
               <a:rPr lang="ko-KR" altLang="en-US" smtClean="0"/>
-              <a:t>2025-10-29</a:t>
+              <a:t>2025-11-13</a:t>
             </a:fld>
             <a:endParaRPr lang="ko-KR" altLang="en-US"/>
           </a:p>
@@ -828,7 +829,7 @@
           <a:p>
             <a:fld id="{72B5172D-2C30-4AE0-A98E-CFE64EE5FA6C}" type="datetimeFigureOut">
               <a:rPr lang="ko-KR" altLang="en-US" smtClean="0"/>
-              <a:t>2025-10-29</a:t>
+              <a:t>2025-11-13</a:t>
             </a:fld>
             <a:endParaRPr lang="ko-KR" altLang="en-US"/>
           </a:p>
@@ -1026,7 +1027,7 @@
           <a:p>
             <a:fld id="{72B5172D-2C30-4AE0-A98E-CFE64EE5FA6C}" type="datetimeFigureOut">
               <a:rPr lang="ko-KR" altLang="en-US" smtClean="0"/>
-              <a:t>2025-10-29</a:t>
+              <a:t>2025-11-13</a:t>
             </a:fld>
             <a:endParaRPr lang="ko-KR" altLang="en-US"/>
           </a:p>
@@ -1234,7 +1235,7 @@
           <a:p>
             <a:fld id="{72B5172D-2C30-4AE0-A98E-CFE64EE5FA6C}" type="datetimeFigureOut">
               <a:rPr lang="ko-KR" altLang="en-US" smtClean="0"/>
-              <a:t>2025-10-29</a:t>
+              <a:t>2025-11-13</a:t>
             </a:fld>
             <a:endParaRPr lang="ko-KR" altLang="en-US"/>
           </a:p>
@@ -1432,7 +1433,7 @@
           <a:p>
             <a:fld id="{72B5172D-2C30-4AE0-A98E-CFE64EE5FA6C}" type="datetimeFigureOut">
               <a:rPr lang="ko-KR" altLang="en-US" smtClean="0"/>
-              <a:t>2025-10-29</a:t>
+              <a:t>2025-11-13</a:t>
             </a:fld>
             <a:endParaRPr lang="ko-KR" altLang="en-US"/>
           </a:p>
@@ -1707,7 +1708,7 @@
           <a:p>
             <a:fld id="{72B5172D-2C30-4AE0-A98E-CFE64EE5FA6C}" type="datetimeFigureOut">
               <a:rPr lang="ko-KR" altLang="en-US" smtClean="0"/>
-              <a:t>2025-10-29</a:t>
+              <a:t>2025-11-13</a:t>
             </a:fld>
             <a:endParaRPr lang="ko-KR" altLang="en-US"/>
           </a:p>
@@ -1972,7 +1973,7 @@
           <a:p>
             <a:fld id="{72B5172D-2C30-4AE0-A98E-CFE64EE5FA6C}" type="datetimeFigureOut">
               <a:rPr lang="ko-KR" altLang="en-US" smtClean="0"/>
-              <a:t>2025-10-29</a:t>
+              <a:t>2025-11-13</a:t>
             </a:fld>
             <a:endParaRPr lang="ko-KR" altLang="en-US"/>
           </a:p>
@@ -2384,7 +2385,7 @@
           <a:p>
             <a:fld id="{72B5172D-2C30-4AE0-A98E-CFE64EE5FA6C}" type="datetimeFigureOut">
               <a:rPr lang="ko-KR" altLang="en-US" smtClean="0"/>
-              <a:t>2025-10-29</a:t>
+              <a:t>2025-11-13</a:t>
             </a:fld>
             <a:endParaRPr lang="ko-KR" altLang="en-US"/>
           </a:p>
@@ -2525,7 +2526,7 @@
           <a:p>
             <a:fld id="{72B5172D-2C30-4AE0-A98E-CFE64EE5FA6C}" type="datetimeFigureOut">
               <a:rPr lang="ko-KR" altLang="en-US" smtClean="0"/>
-              <a:t>2025-10-29</a:t>
+              <a:t>2025-11-13</a:t>
             </a:fld>
             <a:endParaRPr lang="ko-KR" altLang="en-US"/>
           </a:p>
@@ -2638,7 +2639,7 @@
           <a:p>
             <a:fld id="{72B5172D-2C30-4AE0-A98E-CFE64EE5FA6C}" type="datetimeFigureOut">
               <a:rPr lang="ko-KR" altLang="en-US" smtClean="0"/>
-              <a:t>2025-10-29</a:t>
+              <a:t>2025-11-13</a:t>
             </a:fld>
             <a:endParaRPr lang="ko-KR" altLang="en-US"/>
           </a:p>
@@ -2949,7 +2950,7 @@
           <a:p>
             <a:fld id="{72B5172D-2C30-4AE0-A98E-CFE64EE5FA6C}" type="datetimeFigureOut">
               <a:rPr lang="ko-KR" altLang="en-US" smtClean="0"/>
-              <a:t>2025-10-29</a:t>
+              <a:t>2025-11-13</a:t>
             </a:fld>
             <a:endParaRPr lang="ko-KR" altLang="en-US"/>
           </a:p>
@@ -3237,7 +3238,7 @@
           <a:p>
             <a:fld id="{72B5172D-2C30-4AE0-A98E-CFE64EE5FA6C}" type="datetimeFigureOut">
               <a:rPr lang="ko-KR" altLang="en-US" smtClean="0"/>
-              <a:t>2025-10-29</a:t>
+              <a:t>2025-11-13</a:t>
             </a:fld>
             <a:endParaRPr lang="ko-KR" altLang="en-US"/>
           </a:p>
@@ -3478,7 +3479,7 @@
           <a:p>
             <a:fld id="{72B5172D-2C30-4AE0-A98E-CFE64EE5FA6C}" type="datetimeFigureOut">
               <a:rPr lang="ko-KR" altLang="en-US" smtClean="0"/>
-              <a:t>2025-10-29</a:t>
+              <a:t>2025-11-13</a:t>
             </a:fld>
             <a:endParaRPr lang="ko-KR" altLang="en-US"/>
           </a:p>
@@ -4175,6 +4176,301 @@
         <p:cNvPr id="1" name="">
           <a:extLst>
             <a:ext uri="{FF2B5EF4-FFF2-40B4-BE49-F238E27FC236}">
+              <a16:creationId xmlns:a16="http://schemas.microsoft.com/office/drawing/2014/main" id="{CD0C4AE8-88D3-6A4D-F19A-4C9581622525}"/>
+            </a:ext>
+          </a:extLst>
+        </p:cNvPr>
+        <p:cNvGrpSpPr/>
+        <p:nvPr/>
+      </p:nvGrpSpPr>
+      <p:grpSpPr>
+        <a:xfrm>
+          <a:off x="0" y="0"/>
+          <a:ext cx="0" cy="0"/>
+          <a:chOff x="0" y="0"/>
+          <a:chExt cx="0" cy="0"/>
+        </a:xfrm>
+      </p:grpSpPr>
+      <p:sp>
+        <p:nvSpPr>
+          <p:cNvPr id="8" name="제목 1">
+            <a:extLst>
+              <a:ext uri="{FF2B5EF4-FFF2-40B4-BE49-F238E27FC236}">
+                <a16:creationId xmlns:a16="http://schemas.microsoft.com/office/drawing/2014/main" id="{475AC73D-0060-85E4-3440-4E1DDD9E26D8}"/>
+              </a:ext>
+            </a:extLst>
+          </p:cNvPr>
+          <p:cNvSpPr txBox="1">
+            <a:spLocks/>
+          </p:cNvSpPr>
+          <p:nvPr/>
+        </p:nvSpPr>
+        <p:spPr>
+          <a:xfrm>
+            <a:off x="838200" y="37955"/>
+            <a:ext cx="10654715" cy="993892"/>
+          </a:xfrm>
+          <a:prstGeom prst="rect">
+            <a:avLst/>
+          </a:prstGeom>
+        </p:spPr>
+        <p:txBody>
+          <a:bodyPr vert="horz" lIns="91440" tIns="45720" rIns="91440" bIns="45720" rtlCol="0" anchor="ctr">
+            <a:normAutofit/>
+          </a:bodyPr>
+          <a:lstStyle>
+            <a:lvl1pPr algn="l" defTabSz="914411" rtl="0" eaLnBrk="1" latinLnBrk="1" hangingPunct="1">
+              <a:lnSpc>
+                <a:spcPct val="90000"/>
+              </a:lnSpc>
+              <a:spcBef>
+                <a:spcPct val="0"/>
+              </a:spcBef>
+              <a:buNone/>
+              <a:defRPr sz="4400" kern="1200">
+                <a:solidFill>
+                  <a:schemeClr val="tx1"/>
+                </a:solidFill>
+                <a:latin typeface="+mj-lt"/>
+                <a:ea typeface="+mj-ea"/>
+                <a:cs typeface="+mj-cs"/>
+              </a:defRPr>
+            </a:lvl1pPr>
+          </a:lstStyle>
+          <a:p>
+            <a:r>
+              <a:rPr lang="en-US" altLang="ko-KR" dirty="0"/>
+              <a:t>5. </a:t>
+            </a:r>
+            <a:r>
+              <a:rPr lang="ko-KR" altLang="en-US" dirty="0"/>
+              <a:t>데이터 수집 후 추가적인 고려 사항</a:t>
+            </a:r>
+            <a:endParaRPr lang="en-US" altLang="ko-KR" dirty="0"/>
+          </a:p>
+        </p:txBody>
+      </p:sp>
+      <p:sp>
+        <p:nvSpPr>
+          <p:cNvPr id="2" name="제목 1">
+            <a:extLst>
+              <a:ext uri="{FF2B5EF4-FFF2-40B4-BE49-F238E27FC236}">
+                <a16:creationId xmlns:a16="http://schemas.microsoft.com/office/drawing/2014/main" id="{96C9A82D-86EB-F552-D1FB-688E8420BB6C}"/>
+              </a:ext>
+            </a:extLst>
+          </p:cNvPr>
+          <p:cNvSpPr txBox="1">
+            <a:spLocks/>
+          </p:cNvSpPr>
+          <p:nvPr/>
+        </p:nvSpPr>
+        <p:spPr>
+          <a:xfrm>
+            <a:off x="838200" y="1145301"/>
+            <a:ext cx="10654715" cy="5448445"/>
+          </a:xfrm>
+          <a:prstGeom prst="rect">
+            <a:avLst/>
+          </a:prstGeom>
+        </p:spPr>
+        <p:txBody>
+          <a:bodyPr vert="horz" lIns="91440" tIns="45720" rIns="91440" bIns="45720" rtlCol="0" anchor="ctr">
+            <a:normAutofit/>
+          </a:bodyPr>
+          <a:lstStyle>
+            <a:lvl1pPr algn="l" defTabSz="914411" rtl="0" eaLnBrk="1" latinLnBrk="1" hangingPunct="1">
+              <a:lnSpc>
+                <a:spcPct val="90000"/>
+              </a:lnSpc>
+              <a:spcBef>
+                <a:spcPct val="0"/>
+              </a:spcBef>
+              <a:buNone/>
+              <a:defRPr sz="4400" kern="1200">
+                <a:solidFill>
+                  <a:schemeClr val="tx1"/>
+                </a:solidFill>
+                <a:latin typeface="+mj-lt"/>
+                <a:ea typeface="+mj-ea"/>
+                <a:cs typeface="+mj-cs"/>
+              </a:defRPr>
+            </a:lvl1pPr>
+          </a:lstStyle>
+          <a:p>
+            <a:pPr marL="742950" indent="-742950">
+              <a:buAutoNum type="arabicParenR"/>
+            </a:pPr>
+            <a:r>
+              <a:rPr lang="ko-KR" altLang="en-US" dirty="0"/>
+              <a:t>암호화된 </a:t>
+            </a:r>
+            <a:r>
+              <a:rPr lang="en-US" altLang="ko-KR" dirty="0"/>
+              <a:t>ID</a:t>
+            </a:r>
+            <a:r>
+              <a:rPr lang="ko-KR" altLang="en-US" dirty="0"/>
+              <a:t>외에 다른 정보는 없는가</a:t>
+            </a:r>
+            <a:r>
+              <a:rPr lang="en-US" altLang="ko-KR" dirty="0"/>
+              <a:t>?</a:t>
+            </a:r>
+          </a:p>
+          <a:p>
+            <a:pPr marL="1200150" lvl="1" indent="-742950">
+              <a:buFontTx/>
+              <a:buAutoNum type="arabicParenR"/>
+            </a:pPr>
+            <a:r>
+              <a:rPr lang="ko-KR" altLang="en-US" dirty="0"/>
+              <a:t>로그인 필요 </a:t>
+            </a:r>
+            <a:r>
+              <a:rPr lang="en-US" altLang="ko-KR" dirty="0"/>
+              <a:t>: </a:t>
+            </a:r>
+            <a:r>
+              <a:rPr lang="en-US" altLang="ko-KR" dirty="0">
+                <a:hlinkClick r:id="rId2"/>
+              </a:rPr>
+              <a:t>https://developers.kakao.com/console/app/1324377/product/login/scope</a:t>
+            </a:r>
+            <a:endParaRPr lang="en-US" altLang="ko-KR" dirty="0"/>
+          </a:p>
+          <a:p>
+            <a:pPr lvl="2"/>
+            <a:r>
+              <a:rPr lang="en-US" altLang="ko-KR" dirty="0"/>
+              <a:t>    </a:t>
+            </a:r>
+            <a:r>
+              <a:rPr lang="ko-KR" altLang="en-US" dirty="0"/>
+              <a:t>로그인 </a:t>
+            </a:r>
+            <a:r>
+              <a:rPr lang="en-US" altLang="ko-KR" dirty="0"/>
+              <a:t>X : </a:t>
+            </a:r>
+            <a:r>
+              <a:rPr lang="en-US" altLang="ko-KR" dirty="0">
+                <a:hlinkClick r:id="rId3"/>
+              </a:rPr>
+              <a:t>https://developers.naver.com/docs/login/profile/profile.md</a:t>
+            </a:r>
+            <a:r>
+              <a:rPr lang="en-US" altLang="ko-KR" dirty="0"/>
+              <a:t> </a:t>
+            </a:r>
+          </a:p>
+          <a:p>
+            <a:pPr marL="1200150" lvl="1" indent="-742950">
+              <a:buAutoNum type="arabicParenR"/>
+            </a:pPr>
+            <a:endParaRPr lang="en-US" altLang="ko-KR" dirty="0"/>
+          </a:p>
+          <a:p>
+            <a:pPr marL="742950" indent="-742950">
+              <a:buAutoNum type="arabicParenR"/>
+            </a:pPr>
+            <a:r>
+              <a:rPr lang="ko-KR" altLang="en-US" dirty="0"/>
+              <a:t>로그인 이후에 해야 할 일은</a:t>
+            </a:r>
+            <a:r>
+              <a:rPr lang="en-US" altLang="ko-KR" dirty="0"/>
+              <a:t>?</a:t>
+            </a:r>
+          </a:p>
+          <a:p>
+            <a:pPr marL="1200150" lvl="1" indent="-742950">
+              <a:buAutoNum type="arabicParenR"/>
+            </a:pPr>
+            <a:r>
+              <a:rPr lang="en-US" altLang="ko-KR" dirty="0"/>
+              <a:t>J</a:t>
+            </a:r>
+            <a:r>
+              <a:rPr lang="ko-KR" altLang="en-US" dirty="0" err="1"/>
+              <a:t>세션아이디</a:t>
+            </a:r>
+            <a:r>
+              <a:rPr lang="ko-KR" altLang="en-US" dirty="0"/>
+              <a:t> 토큰 발급</a:t>
+            </a:r>
+            <a:r>
+              <a:rPr lang="en-US" altLang="ko-KR" dirty="0"/>
+              <a:t> / ID</a:t>
+            </a:r>
+            <a:r>
+              <a:rPr lang="ko-KR" altLang="en-US" dirty="0"/>
+              <a:t>값 저장 등</a:t>
+            </a:r>
+            <a:endParaRPr lang="en-US" altLang="ko-KR" dirty="0"/>
+          </a:p>
+          <a:p>
+            <a:pPr marL="1200150" lvl="1" indent="-742950">
+              <a:buAutoNum type="arabicParenR"/>
+            </a:pPr>
+            <a:endParaRPr lang="en-US" altLang="ko-KR" dirty="0"/>
+          </a:p>
+          <a:p>
+            <a:pPr marL="742950" indent="-742950">
+              <a:buAutoNum type="arabicParenR"/>
+            </a:pPr>
+            <a:r>
+              <a:rPr lang="ko-KR" altLang="en-US" dirty="0"/>
+              <a:t>로그아웃을 할 때</a:t>
+            </a:r>
+            <a:r>
+              <a:rPr lang="en-US" altLang="ko-KR" dirty="0"/>
+              <a:t>, </a:t>
+            </a:r>
+            <a:r>
+              <a:rPr lang="ko-KR" altLang="en-US" dirty="0"/>
+              <a:t>소셜 로그인도 풀어야 하는가</a:t>
+            </a:r>
+            <a:r>
+              <a:rPr lang="en-US" altLang="ko-KR" dirty="0"/>
+              <a:t>?</a:t>
+            </a:r>
+          </a:p>
+          <a:p>
+            <a:pPr marL="1200150" lvl="1" indent="-742950">
+              <a:buAutoNum type="arabicParenR"/>
+            </a:pPr>
+            <a:r>
+              <a:rPr lang="ko-KR" altLang="en-US" dirty="0"/>
+              <a:t>소셜 로그아웃을 원하는 사람에 한해서 해야함</a:t>
+            </a:r>
+            <a:r>
+              <a:rPr lang="en-US" altLang="ko-KR" dirty="0"/>
+              <a:t>.</a:t>
+            </a:r>
+          </a:p>
+        </p:txBody>
+      </p:sp>
+    </p:spTree>
+    <p:extLst>
+      <p:ext uri="{BB962C8B-B14F-4D97-AF65-F5344CB8AC3E}">
+        <p14:creationId xmlns:p14="http://schemas.microsoft.com/office/powerpoint/2010/main" val="2007220206"/>
+      </p:ext>
+    </p:extLst>
+  </p:cSld>
+  <p:clrMapOvr>
+    <a:masterClrMapping/>
+  </p:clrMapOvr>
+</p:sld>
+</file>
+
+<file path=ppt/slides/slide12.xml><?xml version="1.0" encoding="utf-8"?>
+<p:sld xmlns:a="http://schemas.openxmlformats.org/drawingml/2006/main" xmlns:r="http://schemas.openxmlformats.org/officeDocument/2006/relationships" xmlns:p="http://schemas.openxmlformats.org/presentationml/2006/main">
+  <p:cSld>
+    <p:spTree>
+      <p:nvGrpSpPr>
+        <p:cNvPr id="1" name="">
+          <a:extLst>
+            <a:ext uri="{FF2B5EF4-FFF2-40B4-BE49-F238E27FC236}">
               <a16:creationId xmlns:a16="http://schemas.microsoft.com/office/drawing/2014/main" id="{60496469-62EE-ECA5-9D14-3431C0734AC7}"/>
             </a:ext>
           </a:extLst>
@@ -4239,13 +4535,98 @@
           <a:p>
             <a:r>
               <a:rPr lang="en-US" altLang="ko-KR" dirty="0"/>
-              <a:t>5. </a:t>
+              <a:t>6. </a:t>
             </a:r>
             <a:r>
               <a:rPr lang="ko-KR" altLang="en-US" dirty="0"/>
-              <a:t>질의응답 시간</a:t>
+              <a:t>출처 및 질의응답 시간</a:t>
             </a:r>
             <a:endParaRPr lang="en-US" altLang="ko-KR" dirty="0"/>
+          </a:p>
+        </p:txBody>
+      </p:sp>
+      <p:sp>
+        <p:nvSpPr>
+          <p:cNvPr id="2" name="제목 1">
+            <a:extLst>
+              <a:ext uri="{FF2B5EF4-FFF2-40B4-BE49-F238E27FC236}">
+                <a16:creationId xmlns:a16="http://schemas.microsoft.com/office/drawing/2014/main" id="{8BB93D6B-93F3-490C-6717-892DD1E697C3}"/>
+              </a:ext>
+            </a:extLst>
+          </p:cNvPr>
+          <p:cNvSpPr txBox="1">
+            <a:spLocks/>
+          </p:cNvSpPr>
+          <p:nvPr/>
+        </p:nvSpPr>
+        <p:spPr>
+          <a:xfrm>
+            <a:off x="871756" y="1996580"/>
+            <a:ext cx="10654715" cy="3359791"/>
+          </a:xfrm>
+          <a:prstGeom prst="rect">
+            <a:avLst/>
+          </a:prstGeom>
+        </p:spPr>
+        <p:txBody>
+          <a:bodyPr vert="horz" lIns="91440" tIns="45720" rIns="91440" bIns="45720" rtlCol="0" anchor="ctr">
+            <a:normAutofit/>
+          </a:bodyPr>
+          <a:lstStyle>
+            <a:lvl1pPr algn="l" defTabSz="914411" rtl="0" eaLnBrk="1" latinLnBrk="1" hangingPunct="1">
+              <a:lnSpc>
+                <a:spcPct val="90000"/>
+              </a:lnSpc>
+              <a:spcBef>
+                <a:spcPct val="0"/>
+              </a:spcBef>
+              <a:buNone/>
+              <a:defRPr sz="4400" kern="1200">
+                <a:solidFill>
+                  <a:schemeClr val="tx1"/>
+                </a:solidFill>
+                <a:latin typeface="+mj-lt"/>
+                <a:ea typeface="+mj-ea"/>
+                <a:cs typeface="+mj-cs"/>
+              </a:defRPr>
+            </a:lvl1pPr>
+          </a:lstStyle>
+          <a:p>
+            <a:r>
+              <a:rPr lang="ko-KR" altLang="en-US" sz="3200" dirty="0"/>
+              <a:t>토큰 발급 코드 </a:t>
+            </a:r>
+            <a:r>
+              <a:rPr lang="en-US" altLang="ko-KR" sz="3200" dirty="0"/>
+              <a:t>: </a:t>
+            </a:r>
+            <a:r>
+              <a:rPr lang="en-US" altLang="ko-KR" sz="3200" dirty="0">
+                <a:hlinkClick r:id="rId2"/>
+              </a:rPr>
+              <a:t>https://suyeoniii.tistory.com/79</a:t>
+            </a:r>
+            <a:endParaRPr lang="en-US" altLang="ko-KR" sz="3200" dirty="0"/>
+          </a:p>
+          <a:p>
+            <a:endParaRPr lang="en-US" altLang="ko-KR" sz="3200" dirty="0"/>
+          </a:p>
+          <a:p>
+            <a:r>
+              <a:rPr lang="ko-KR" altLang="en-US" sz="3200" dirty="0"/>
+              <a:t>사용자 정보 수집</a:t>
+            </a:r>
+            <a:r>
+              <a:rPr lang="en-US" altLang="ko-KR" sz="3200" dirty="0"/>
+              <a:t>(POST) : </a:t>
+            </a:r>
+            <a:r>
+              <a:rPr lang="en-US" altLang="ko-KR" sz="3200" dirty="0">
+                <a:hlinkClick r:id="rId3"/>
+              </a:rPr>
+              <a:t>https://suyeoniii.tistory.com/81</a:t>
+            </a:r>
+            <a:endParaRPr lang="en-US" altLang="ko-KR" sz="3200" dirty="0"/>
           </a:p>
         </p:txBody>
       </p:sp>
@@ -4381,9 +4762,23 @@
               <a:rPr lang="en-US" altLang="ko-KR" dirty="0"/>
               <a:t>API docs</a:t>
             </a:r>
+          </a:p>
+          <a:p>
+            <a:pPr marL="514357" indent="-514357" algn="ctr">
+              <a:buFont typeface="Arial" panose="020B0604020202020204" pitchFamily="34" charset="0"/>
+              <a:buAutoNum type="arabicPeriod"/>
+            </a:pPr>
             <a:r>
               <a:rPr lang="ko-KR" altLang="en-US" dirty="0"/>
-              <a:t>와 코드 설명</a:t>
+              <a:t>코드 설명</a:t>
+            </a:r>
+            <a:r>
+              <a:rPr lang="en-US" altLang="ko-KR" dirty="0"/>
+              <a:t> / </a:t>
+            </a:r>
+            <a:r>
+              <a:rPr lang="ko-KR" altLang="en-US" dirty="0"/>
+              <a:t>실제 작동 여부</a:t>
             </a:r>
             <a:endParaRPr lang="en-US" altLang="ko-KR" dirty="0"/>
           </a:p>
@@ -4393,7 +4788,7 @@
             </a:pPr>
             <a:r>
               <a:rPr lang="ko-KR" altLang="en-US" dirty="0"/>
-              <a:t>실제 작동 여부</a:t>
+              <a:t>데이터 수집 후 추가적인 고려 사항</a:t>
             </a:r>
             <a:endParaRPr lang="en-US" altLang="ko-KR" dirty="0"/>
           </a:p>
@@ -4403,7 +4798,7 @@
             </a:pPr>
             <a:r>
               <a:rPr lang="ko-KR" altLang="en-US" dirty="0"/>
-              <a:t>질의응답 시간</a:t>
+              <a:t>출처 및 질의응답 시간</a:t>
             </a:r>
             <a:endParaRPr lang="en-US" altLang="ko-KR" dirty="0"/>
           </a:p>
@@ -5665,7 +6060,7 @@
         <p:spPr>
           <a:xfrm>
             <a:off x="4540542" y="2948729"/>
-            <a:ext cx="1445004" cy="328756"/>
+            <a:ext cx="1555458" cy="328756"/>
           </a:xfrm>
           <a:prstGeom prst="rect">
             <a:avLst/>
@@ -5673,7 +6068,7 @@
         </p:spPr>
         <p:txBody>
           <a:bodyPr vert="horz" lIns="91440" tIns="45720" rIns="91440" bIns="45720" rtlCol="0">
-            <a:normAutofit lnSpcReduction="10000"/>
+            <a:normAutofit fontScale="92500"/>
           </a:bodyPr>
           <a:lstStyle>
             <a:lvl1pPr marL="228604" indent="-228604" algn="l" defTabSz="914411" rtl="0" eaLnBrk="1" latinLnBrk="1" hangingPunct="1">
@@ -5845,8 +6240,220 @@
             </a:pPr>
             <a:r>
               <a:rPr lang="ko-KR" altLang="en-US" sz="1800" dirty="0"/>
-              <a:t>우리의 목표</a:t>
-            </a:r>
+              <a:t>우리의 목표 </a:t>
+            </a:r>
+            <a:r>
+              <a:rPr lang="en-US" altLang="ko-KR" sz="1800" dirty="0"/>
+              <a:t>1</a:t>
+            </a:r>
+            <a:endParaRPr lang="ko-KR" altLang="en-US" sz="1800" dirty="0"/>
+          </a:p>
+        </p:txBody>
+      </p:sp>
+      <p:sp>
+        <p:nvSpPr>
+          <p:cNvPr id="4" name="내용 개체 틀 2">
+            <a:extLst>
+              <a:ext uri="{FF2B5EF4-FFF2-40B4-BE49-F238E27FC236}">
+                <a16:creationId xmlns:a16="http://schemas.microsoft.com/office/drawing/2014/main" id="{DFC8B60E-E178-9EF3-045E-91ED1E24D3AF}"/>
+              </a:ext>
+            </a:extLst>
+          </p:cNvPr>
+          <p:cNvSpPr txBox="1">
+            <a:spLocks/>
+          </p:cNvSpPr>
+          <p:nvPr/>
+        </p:nvSpPr>
+        <p:spPr>
+          <a:xfrm>
+            <a:off x="10182138" y="4884536"/>
+            <a:ext cx="1555458" cy="328756"/>
+          </a:xfrm>
+          <a:prstGeom prst="rect">
+            <a:avLst/>
+          </a:prstGeom>
+        </p:spPr>
+        <p:txBody>
+          <a:bodyPr vert="horz" lIns="91440" tIns="45720" rIns="91440" bIns="45720" rtlCol="0">
+            <a:normAutofit fontScale="92500"/>
+          </a:bodyPr>
+          <a:lstStyle>
+            <a:lvl1pPr marL="228604" indent="-228604" algn="l" defTabSz="914411" rtl="0" eaLnBrk="1" latinLnBrk="1" hangingPunct="1">
+              <a:lnSpc>
+                <a:spcPct val="90000"/>
+              </a:lnSpc>
+              <a:spcBef>
+                <a:spcPts val="1001"/>
+              </a:spcBef>
+              <a:buFont typeface="Arial" panose="020B0604020202020204" pitchFamily="34" charset="0"/>
+              <a:buChar char="•"/>
+              <a:defRPr sz="2800" kern="1200">
+                <a:solidFill>
+                  <a:schemeClr val="tx1"/>
+                </a:solidFill>
+                <a:latin typeface="+mn-lt"/>
+                <a:ea typeface="+mn-ea"/>
+                <a:cs typeface="+mn-cs"/>
+              </a:defRPr>
+            </a:lvl1pPr>
+            <a:lvl2pPr marL="685809" indent="-228604" algn="l" defTabSz="914411" rtl="0" eaLnBrk="1" latinLnBrk="1" hangingPunct="1">
+              <a:lnSpc>
+                <a:spcPct val="90000"/>
+              </a:lnSpc>
+              <a:spcBef>
+                <a:spcPts val="500"/>
+              </a:spcBef>
+              <a:buFont typeface="Arial" panose="020B0604020202020204" pitchFamily="34" charset="0"/>
+              <a:buChar char="•"/>
+              <a:defRPr sz="2400" kern="1200">
+                <a:solidFill>
+                  <a:schemeClr val="tx1"/>
+                </a:solidFill>
+                <a:latin typeface="+mn-lt"/>
+                <a:ea typeface="+mn-ea"/>
+                <a:cs typeface="+mn-cs"/>
+              </a:defRPr>
+            </a:lvl2pPr>
+            <a:lvl3pPr marL="1143015" indent="-228604" algn="l" defTabSz="914411" rtl="0" eaLnBrk="1" latinLnBrk="1" hangingPunct="1">
+              <a:lnSpc>
+                <a:spcPct val="90000"/>
+              </a:lnSpc>
+              <a:spcBef>
+                <a:spcPts val="500"/>
+              </a:spcBef>
+              <a:buFont typeface="Arial" panose="020B0604020202020204" pitchFamily="34" charset="0"/>
+              <a:buChar char="•"/>
+              <a:defRPr sz="2000" kern="1200">
+                <a:solidFill>
+                  <a:schemeClr val="tx1"/>
+                </a:solidFill>
+                <a:latin typeface="+mn-lt"/>
+                <a:ea typeface="+mn-ea"/>
+                <a:cs typeface="+mn-cs"/>
+              </a:defRPr>
+            </a:lvl3pPr>
+            <a:lvl4pPr marL="1600221" indent="-228604" algn="l" defTabSz="914411" rtl="0" eaLnBrk="1" latinLnBrk="1" hangingPunct="1">
+              <a:lnSpc>
+                <a:spcPct val="90000"/>
+              </a:lnSpc>
+              <a:spcBef>
+                <a:spcPts val="500"/>
+              </a:spcBef>
+              <a:buFont typeface="Arial" panose="020B0604020202020204" pitchFamily="34" charset="0"/>
+              <a:buChar char="•"/>
+              <a:defRPr sz="1801" kern="1200">
+                <a:solidFill>
+                  <a:schemeClr val="tx1"/>
+                </a:solidFill>
+                <a:latin typeface="+mn-lt"/>
+                <a:ea typeface="+mn-ea"/>
+                <a:cs typeface="+mn-cs"/>
+              </a:defRPr>
+            </a:lvl4pPr>
+            <a:lvl5pPr marL="2057427" indent="-228604" algn="l" defTabSz="914411" rtl="0" eaLnBrk="1" latinLnBrk="1" hangingPunct="1">
+              <a:lnSpc>
+                <a:spcPct val="90000"/>
+              </a:lnSpc>
+              <a:spcBef>
+                <a:spcPts val="500"/>
+              </a:spcBef>
+              <a:buFont typeface="Arial" panose="020B0604020202020204" pitchFamily="34" charset="0"/>
+              <a:buChar char="•"/>
+              <a:defRPr sz="1801" kern="1200">
+                <a:solidFill>
+                  <a:schemeClr val="tx1"/>
+                </a:solidFill>
+                <a:latin typeface="+mn-lt"/>
+                <a:ea typeface="+mn-ea"/>
+                <a:cs typeface="+mn-cs"/>
+              </a:defRPr>
+            </a:lvl5pPr>
+            <a:lvl6pPr marL="2514632" indent="-228604" algn="l" defTabSz="914411" rtl="0" eaLnBrk="1" latinLnBrk="1" hangingPunct="1">
+              <a:lnSpc>
+                <a:spcPct val="90000"/>
+              </a:lnSpc>
+              <a:spcBef>
+                <a:spcPts val="500"/>
+              </a:spcBef>
+              <a:buFont typeface="Arial" panose="020B0604020202020204" pitchFamily="34" charset="0"/>
+              <a:buChar char="•"/>
+              <a:defRPr sz="1801" kern="1200">
+                <a:solidFill>
+                  <a:schemeClr val="tx1"/>
+                </a:solidFill>
+                <a:latin typeface="+mn-lt"/>
+                <a:ea typeface="+mn-ea"/>
+                <a:cs typeface="+mn-cs"/>
+              </a:defRPr>
+            </a:lvl6pPr>
+            <a:lvl7pPr marL="2971838" indent="-228604" algn="l" defTabSz="914411" rtl="0" eaLnBrk="1" latinLnBrk="1" hangingPunct="1">
+              <a:lnSpc>
+                <a:spcPct val="90000"/>
+              </a:lnSpc>
+              <a:spcBef>
+                <a:spcPts val="500"/>
+              </a:spcBef>
+              <a:buFont typeface="Arial" panose="020B0604020202020204" pitchFamily="34" charset="0"/>
+              <a:buChar char="•"/>
+              <a:defRPr sz="1801" kern="1200">
+                <a:solidFill>
+                  <a:schemeClr val="tx1"/>
+                </a:solidFill>
+                <a:latin typeface="+mn-lt"/>
+                <a:ea typeface="+mn-ea"/>
+                <a:cs typeface="+mn-cs"/>
+              </a:defRPr>
+            </a:lvl7pPr>
+            <a:lvl8pPr marL="3429044" indent="-228604" algn="l" defTabSz="914411" rtl="0" eaLnBrk="1" latinLnBrk="1" hangingPunct="1">
+              <a:lnSpc>
+                <a:spcPct val="90000"/>
+              </a:lnSpc>
+              <a:spcBef>
+                <a:spcPts val="500"/>
+              </a:spcBef>
+              <a:buFont typeface="Arial" panose="020B0604020202020204" pitchFamily="34" charset="0"/>
+              <a:buChar char="•"/>
+              <a:defRPr sz="1801" kern="1200">
+                <a:solidFill>
+                  <a:schemeClr val="tx1"/>
+                </a:solidFill>
+                <a:latin typeface="+mn-lt"/>
+                <a:ea typeface="+mn-ea"/>
+                <a:cs typeface="+mn-cs"/>
+              </a:defRPr>
+            </a:lvl8pPr>
+            <a:lvl9pPr marL="3886249" indent="-228604" algn="l" defTabSz="914411" rtl="0" eaLnBrk="1" latinLnBrk="1" hangingPunct="1">
+              <a:lnSpc>
+                <a:spcPct val="90000"/>
+              </a:lnSpc>
+              <a:spcBef>
+                <a:spcPts val="500"/>
+              </a:spcBef>
+              <a:buFont typeface="Arial" panose="020B0604020202020204" pitchFamily="34" charset="0"/>
+              <a:buChar char="•"/>
+              <a:defRPr sz="1801" kern="1200">
+                <a:solidFill>
+                  <a:schemeClr val="tx1"/>
+                </a:solidFill>
+                <a:latin typeface="+mn-lt"/>
+                <a:ea typeface="+mn-ea"/>
+                <a:cs typeface="+mn-cs"/>
+              </a:defRPr>
+            </a:lvl9pPr>
+          </a:lstStyle>
+          <a:p>
+            <a:pPr marL="0" indent="0">
+              <a:buNone/>
+            </a:pPr>
+            <a:r>
+              <a:rPr lang="ko-KR" altLang="en-US" sz="1800" dirty="0"/>
+              <a:t>우리의 목표 </a:t>
+            </a:r>
+            <a:r>
+              <a:rPr lang="en-US" altLang="ko-KR" sz="1800" dirty="0"/>
+              <a:t>2</a:t>
+            </a:r>
+            <a:endParaRPr lang="ko-KR" altLang="en-US" sz="1800" dirty="0"/>
           </a:p>
         </p:txBody>
       </p:sp>
@@ -8456,10 +9063,10 @@
       </p:sp>
       <p:pic>
         <p:nvPicPr>
-          <p:cNvPr id="15" name="그림 14">
-            <a:extLst>
-              <a:ext uri="{FF2B5EF4-FFF2-40B4-BE49-F238E27FC236}">
-                <a16:creationId xmlns:a16="http://schemas.microsoft.com/office/drawing/2014/main" id="{50F9CBF3-89F7-F9E6-AB96-2DE6FD9ED9EB}"/>
+          <p:cNvPr id="3" name="그림 2">
+            <a:extLst>
+              <a:ext uri="{FF2B5EF4-FFF2-40B4-BE49-F238E27FC236}">
+                <a16:creationId xmlns:a16="http://schemas.microsoft.com/office/drawing/2014/main" id="{E76E7A75-BE6B-AA83-B5BF-22448889218E}"/>
               </a:ext>
             </a:extLst>
           </p:cNvPr>
@@ -8476,8 +9083,8 @@
         </p:blipFill>
         <p:spPr>
           <a:xfrm>
-            <a:off x="417626" y="2589519"/>
-            <a:ext cx="5502454" cy="3742125"/>
+            <a:off x="473857" y="2779963"/>
+            <a:ext cx="5506218" cy="3934374"/>
           </a:xfrm>
           <a:prstGeom prst="rect">
             <a:avLst/>
@@ -9430,7 +10037,15 @@
             </a:r>
             <a:r>
               <a:rPr lang="en-US" altLang="ko-KR" dirty="0"/>
-              <a:t>: https://developers.naver.com/docs/login/api/api.md</a:t>
+              <a:t>:</a:t>
+            </a:r>
+          </a:p>
+          <a:p>
+            <a:r>
+              <a:rPr lang="en-US" altLang="ko-KR" dirty="0">
+                <a:hlinkClick r:id="rId2"/>
+              </a:rPr>
+              <a:t>https://developers.naver.com/docs/login/api/api.md</a:t>
             </a:r>
             <a:endParaRPr lang="ko-KR" altLang="en-US" dirty="0"/>
           </a:p>
@@ -9489,7 +10104,18 @@
             </a:r>
             <a:r>
               <a:rPr lang="en-US" altLang="ko-KR" dirty="0"/>
-              <a:t>:  https://developers.kakao.com/docs/latest/ko/kakaologin/rest-api</a:t>
+              <a:t>: </a:t>
+            </a:r>
+          </a:p>
+          <a:p>
+            <a:endParaRPr lang="en-US" altLang="ko-KR" dirty="0"/>
+          </a:p>
+          <a:p>
+            <a:r>
+              <a:rPr lang="en-US" altLang="ko-KR" dirty="0">
+                <a:hlinkClick r:id="rId3"/>
+              </a:rPr>
+              <a:t>https://developers.kakao.com/docs/latest/ko/kakaologin/rest-api</a:t>
             </a:r>
             <a:endParaRPr lang="ko-KR" altLang="en-US" dirty="0"/>
           </a:p>

--- a/소셜 로그인 발표.pptx
+++ b/소셜 로그인 발표.pptx
@@ -4447,6 +4447,18 @@
               <a:rPr lang="en-US" altLang="ko-KR" dirty="0"/>
               <a:t>.</a:t>
             </a:r>
+          </a:p>
+          <a:p>
+            <a:pPr marL="1200150" lvl="1" indent="-742950">
+              <a:buAutoNum type="arabicParenR"/>
+            </a:pPr>
+            <a:r>
+              <a:rPr lang="en-US" altLang="ko-KR" u="sng">
+                <a:hlinkClick r:id="rId4"/>
+              </a:rPr>
+              <a:t>https://developers.kakao.com/docs/latest/ko/kakaologin/rest-api#logout</a:t>
+            </a:r>
+            <a:endParaRPr lang="en-US" altLang="ko-KR" dirty="0"/>
           </a:p>
         </p:txBody>
       </p:sp>

--- a/소셜 로그인 발표.pptx
+++ b/소셜 로그인 발표.pptx
@@ -208,7 +208,7 @@
           <a:p>
             <a:fld id="{8A118C8B-A477-48FE-84D9-CD6F511B9ECA}" type="datetimeFigureOut">
               <a:rPr lang="ko-KR" altLang="en-US" smtClean="0"/>
-              <a:t>2025-11-13</a:t>
+              <a:t>2025-11-14</a:t>
             </a:fld>
             <a:endParaRPr lang="ko-KR" altLang="en-US"/>
           </a:p>
@@ -829,7 +829,7 @@
           <a:p>
             <a:fld id="{72B5172D-2C30-4AE0-A98E-CFE64EE5FA6C}" type="datetimeFigureOut">
               <a:rPr lang="ko-KR" altLang="en-US" smtClean="0"/>
-              <a:t>2025-11-13</a:t>
+              <a:t>2025-11-14</a:t>
             </a:fld>
             <a:endParaRPr lang="ko-KR" altLang="en-US"/>
           </a:p>
@@ -1027,7 +1027,7 @@
           <a:p>
             <a:fld id="{72B5172D-2C30-4AE0-A98E-CFE64EE5FA6C}" type="datetimeFigureOut">
               <a:rPr lang="ko-KR" altLang="en-US" smtClean="0"/>
-              <a:t>2025-11-13</a:t>
+              <a:t>2025-11-14</a:t>
             </a:fld>
             <a:endParaRPr lang="ko-KR" altLang="en-US"/>
           </a:p>
@@ -1235,7 +1235,7 @@
           <a:p>
             <a:fld id="{72B5172D-2C30-4AE0-A98E-CFE64EE5FA6C}" type="datetimeFigureOut">
               <a:rPr lang="ko-KR" altLang="en-US" smtClean="0"/>
-              <a:t>2025-11-13</a:t>
+              <a:t>2025-11-14</a:t>
             </a:fld>
             <a:endParaRPr lang="ko-KR" altLang="en-US"/>
           </a:p>
@@ -1433,7 +1433,7 @@
           <a:p>
             <a:fld id="{72B5172D-2C30-4AE0-A98E-CFE64EE5FA6C}" type="datetimeFigureOut">
               <a:rPr lang="ko-KR" altLang="en-US" smtClean="0"/>
-              <a:t>2025-11-13</a:t>
+              <a:t>2025-11-14</a:t>
             </a:fld>
             <a:endParaRPr lang="ko-KR" altLang="en-US"/>
           </a:p>
@@ -1708,7 +1708,7 @@
           <a:p>
             <a:fld id="{72B5172D-2C30-4AE0-A98E-CFE64EE5FA6C}" type="datetimeFigureOut">
               <a:rPr lang="ko-KR" altLang="en-US" smtClean="0"/>
-              <a:t>2025-11-13</a:t>
+              <a:t>2025-11-14</a:t>
             </a:fld>
             <a:endParaRPr lang="ko-KR" altLang="en-US"/>
           </a:p>
@@ -1973,7 +1973,7 @@
           <a:p>
             <a:fld id="{72B5172D-2C30-4AE0-A98E-CFE64EE5FA6C}" type="datetimeFigureOut">
               <a:rPr lang="ko-KR" altLang="en-US" smtClean="0"/>
-              <a:t>2025-11-13</a:t>
+              <a:t>2025-11-14</a:t>
             </a:fld>
             <a:endParaRPr lang="ko-KR" altLang="en-US"/>
           </a:p>
@@ -2385,7 +2385,7 @@
           <a:p>
             <a:fld id="{72B5172D-2C30-4AE0-A98E-CFE64EE5FA6C}" type="datetimeFigureOut">
               <a:rPr lang="ko-KR" altLang="en-US" smtClean="0"/>
-              <a:t>2025-11-13</a:t>
+              <a:t>2025-11-14</a:t>
             </a:fld>
             <a:endParaRPr lang="ko-KR" altLang="en-US"/>
           </a:p>
@@ -2526,7 +2526,7 @@
           <a:p>
             <a:fld id="{72B5172D-2C30-4AE0-A98E-CFE64EE5FA6C}" type="datetimeFigureOut">
               <a:rPr lang="ko-KR" altLang="en-US" smtClean="0"/>
-              <a:t>2025-11-13</a:t>
+              <a:t>2025-11-14</a:t>
             </a:fld>
             <a:endParaRPr lang="ko-KR" altLang="en-US"/>
           </a:p>
@@ -2639,7 +2639,7 @@
           <a:p>
             <a:fld id="{72B5172D-2C30-4AE0-A98E-CFE64EE5FA6C}" type="datetimeFigureOut">
               <a:rPr lang="ko-KR" altLang="en-US" smtClean="0"/>
-              <a:t>2025-11-13</a:t>
+              <a:t>2025-11-14</a:t>
             </a:fld>
             <a:endParaRPr lang="ko-KR" altLang="en-US"/>
           </a:p>
@@ -2950,7 +2950,7 @@
           <a:p>
             <a:fld id="{72B5172D-2C30-4AE0-A98E-CFE64EE5FA6C}" type="datetimeFigureOut">
               <a:rPr lang="ko-KR" altLang="en-US" smtClean="0"/>
-              <a:t>2025-11-13</a:t>
+              <a:t>2025-11-14</a:t>
             </a:fld>
             <a:endParaRPr lang="ko-KR" altLang="en-US"/>
           </a:p>
@@ -3238,7 +3238,7 @@
           <a:p>
             <a:fld id="{72B5172D-2C30-4AE0-A98E-CFE64EE5FA6C}" type="datetimeFigureOut">
               <a:rPr lang="ko-KR" altLang="en-US" smtClean="0"/>
-              <a:t>2025-11-13</a:t>
+              <a:t>2025-11-14</a:t>
             </a:fld>
             <a:endParaRPr lang="ko-KR" altLang="en-US"/>
           </a:p>
@@ -3479,7 +3479,7 @@
           <a:p>
             <a:fld id="{72B5172D-2C30-4AE0-A98E-CFE64EE5FA6C}" type="datetimeFigureOut">
               <a:rPr lang="ko-KR" altLang="en-US" smtClean="0"/>
-              <a:t>2025-11-13</a:t>
+              <a:t>2025-11-14</a:t>
             </a:fld>
             <a:endParaRPr lang="ko-KR" altLang="en-US"/>
           </a:p>
@@ -4453,12 +4453,31 @@
               <a:buAutoNum type="arabicParenR"/>
             </a:pPr>
             <a:r>
-              <a:rPr lang="en-US" altLang="ko-KR" u="sng">
+              <a:rPr lang="en-US" altLang="ko-KR" u="sng" dirty="0">
                 <a:hlinkClick r:id="rId4"/>
               </a:rPr>
               <a:t>https://developers.kakao.com/docs/latest/ko/kakaologin/rest-api#logout</a:t>
             </a:r>
+            <a:endParaRPr lang="en-US" altLang="ko-KR" u="sng" dirty="0"/>
+          </a:p>
+          <a:p>
+            <a:pPr marL="1200150" lvl="1" indent="-742950">
+              <a:buAutoNum type="arabicParenR"/>
+            </a:pPr>
             <a:endParaRPr lang="en-US" altLang="ko-KR" dirty="0"/>
+          </a:p>
+          <a:p>
+            <a:pPr marL="742950" indent="-742950">
+              <a:buAutoNum type="arabicParenR"/>
+            </a:pPr>
+            <a:r>
+              <a:rPr lang="ko-KR" altLang="en-US" dirty="0"/>
+              <a:t>구글 소셜 로그인은 방식이 다르다</a:t>
+            </a:r>
+            <a:r>
+              <a:rPr lang="en-US" altLang="ko-KR" dirty="0"/>
+              <a:t>?</a:t>
+            </a:r>
           </a:p>
         </p:txBody>
       </p:sp>
@@ -4573,8 +4592,8 @@
         </p:nvSpPr>
         <p:spPr>
           <a:xfrm>
-            <a:off x="871756" y="1996580"/>
-            <a:ext cx="10654715" cy="3359791"/>
+            <a:off x="871756" y="1358020"/>
+            <a:ext cx="10654715" cy="5232903"/>
           </a:xfrm>
           <a:prstGeom prst="rect">
             <a:avLst/>
@@ -4637,6 +4656,51 @@
                 <a:hlinkClick r:id="rId3"/>
               </a:rPr>
               <a:t>https://suyeoniii.tistory.com/81</a:t>
+            </a:r>
+            <a:endParaRPr lang="en-US" altLang="ko-KR" sz="3200" dirty="0"/>
+          </a:p>
+          <a:p>
+            <a:endParaRPr lang="en-US" altLang="ko-KR" sz="3200" dirty="0"/>
+          </a:p>
+          <a:p>
+            <a:r>
+              <a:rPr lang="ko-KR" altLang="en-US" sz="3200" dirty="0"/>
+              <a:t>깃 주소 </a:t>
+            </a:r>
+            <a:r>
+              <a:rPr lang="en-US" altLang="ko-KR" sz="3200" dirty="0"/>
+              <a:t>: </a:t>
+            </a:r>
+            <a:r>
+              <a:rPr lang="en-US" altLang="ko-KR" sz="3200" dirty="0">
+                <a:hlinkClick r:id="rId4"/>
+              </a:rPr>
+              <a:t>https://github.com/JHS3427/SocialLoginPresentation</a:t>
+            </a:r>
+            <a:endParaRPr lang="en-US" altLang="ko-KR" sz="3200" dirty="0"/>
+          </a:p>
+          <a:p>
+            <a:endParaRPr lang="en-US" altLang="ko-KR" sz="3200" dirty="0"/>
+          </a:p>
+          <a:p>
+            <a:r>
+              <a:rPr lang="ko-KR" altLang="en-US" sz="3200" dirty="0"/>
+              <a:t>깃 다운로드 </a:t>
+            </a:r>
+            <a:r>
+              <a:rPr lang="en-US" altLang="ko-KR" sz="3200" dirty="0"/>
+              <a:t>:</a:t>
+            </a:r>
+            <a:br>
+              <a:rPr lang="en-US" altLang="ko-KR" sz="3200" dirty="0"/>
+            </a:br>
+            <a:r>
+              <a:rPr lang="en-US" altLang="ko-KR" sz="3200" dirty="0"/>
+              <a:t>git clone git@github.com:JHS3427/</a:t>
+            </a:r>
+            <a:r>
+              <a:rPr lang="en-US" altLang="ko-KR" sz="3200" dirty="0" err="1"/>
+              <a:t>SocialLoginPresentation.git</a:t>
             </a:r>
             <a:endParaRPr lang="en-US" altLang="ko-KR" sz="3200" dirty="0"/>
           </a:p>
